--- a/facilitator/terraform-workshop-intro.pptx
+++ b/facilitator/terraform-workshop-intro.pptx
@@ -331,7 +331,7 @@
             <a:fld id="{1D8BD707-D9CF-40AE-B4C6-C98DA3205C09}" type="datetimeFigureOut">
               <a:rPr lang="en-US" smtClean="0"/>
               <a:pPr/>
-              <a:t>1/25/21</a:t>
+              <a:t>4/28/21</a:t>
             </a:fld>
             <a:endParaRPr lang="en-US"/>
           </a:p>
@@ -496,7 +496,7 @@
             <a:fld id="{1D8BD707-D9CF-40AE-B4C6-C98DA3205C09}" type="datetimeFigureOut">
               <a:rPr lang="en-US" smtClean="0"/>
               <a:pPr/>
-              <a:t>1/25/21</a:t>
+              <a:t>4/28/21</a:t>
             </a:fld>
             <a:endParaRPr lang="en-US"/>
           </a:p>
@@ -671,7 +671,7 @@
             <a:fld id="{1D8BD707-D9CF-40AE-B4C6-C98DA3205C09}" type="datetimeFigureOut">
               <a:rPr lang="en-US" smtClean="0"/>
               <a:pPr/>
-              <a:t>1/25/21</a:t>
+              <a:t>4/28/21</a:t>
             </a:fld>
             <a:endParaRPr lang="en-US"/>
           </a:p>
@@ -836,7 +836,7 @@
             <a:fld id="{1D8BD707-D9CF-40AE-B4C6-C98DA3205C09}" type="datetimeFigureOut">
               <a:rPr lang="en-US" smtClean="0"/>
               <a:pPr/>
-              <a:t>1/25/21</a:t>
+              <a:t>4/28/21</a:t>
             </a:fld>
             <a:endParaRPr lang="en-US"/>
           </a:p>
@@ -1078,7 +1078,7 @@
             <a:fld id="{1D8BD707-D9CF-40AE-B4C6-C98DA3205C09}" type="datetimeFigureOut">
               <a:rPr lang="en-US" smtClean="0"/>
               <a:pPr/>
-              <a:t>1/25/21</a:t>
+              <a:t>4/28/21</a:t>
             </a:fld>
             <a:endParaRPr lang="en-US"/>
           </a:p>
@@ -1360,7 +1360,7 @@
             <a:fld id="{1D8BD707-D9CF-40AE-B4C6-C98DA3205C09}" type="datetimeFigureOut">
               <a:rPr lang="en-US" smtClean="0"/>
               <a:pPr/>
-              <a:t>1/25/21</a:t>
+              <a:t>4/28/21</a:t>
             </a:fld>
             <a:endParaRPr lang="en-US"/>
           </a:p>
@@ -1776,7 +1776,7 @@
             <a:fld id="{1D8BD707-D9CF-40AE-B4C6-C98DA3205C09}" type="datetimeFigureOut">
               <a:rPr lang="en-US" smtClean="0"/>
               <a:pPr/>
-              <a:t>1/25/21</a:t>
+              <a:t>4/28/21</a:t>
             </a:fld>
             <a:endParaRPr lang="en-US"/>
           </a:p>
@@ -1890,7 +1890,7 @@
             <a:fld id="{1D8BD707-D9CF-40AE-B4C6-C98DA3205C09}" type="datetimeFigureOut">
               <a:rPr lang="en-US" smtClean="0"/>
               <a:pPr/>
-              <a:t>1/25/21</a:t>
+              <a:t>4/28/21</a:t>
             </a:fld>
             <a:endParaRPr lang="en-US"/>
           </a:p>
@@ -1982,7 +1982,7 @@
             <a:fld id="{1D8BD707-D9CF-40AE-B4C6-C98DA3205C09}" type="datetimeFigureOut">
               <a:rPr lang="en-US" smtClean="0"/>
               <a:pPr/>
-              <a:t>1/25/21</a:t>
+              <a:t>4/28/21</a:t>
             </a:fld>
             <a:endParaRPr lang="en-US"/>
           </a:p>
@@ -2254,7 +2254,7 @@
             <a:fld id="{1D8BD707-D9CF-40AE-B4C6-C98DA3205C09}" type="datetimeFigureOut">
               <a:rPr lang="en-US" smtClean="0"/>
               <a:pPr/>
-              <a:t>1/25/21</a:t>
+              <a:t>4/28/21</a:t>
             </a:fld>
             <a:endParaRPr lang="en-US"/>
           </a:p>
@@ -2503,7 +2503,7 @@
             <a:fld id="{1D8BD707-D9CF-40AE-B4C6-C98DA3205C09}" type="datetimeFigureOut">
               <a:rPr lang="en-US" smtClean="0"/>
               <a:pPr/>
-              <a:t>1/25/21</a:t>
+              <a:t>4/28/21</a:t>
             </a:fld>
             <a:endParaRPr lang="en-US"/>
           </a:p>
@@ -2711,7 +2711,7 @@
             <a:fld id="{1D8BD707-D9CF-40AE-B4C6-C98DA3205C09}" type="datetimeFigureOut">
               <a:rPr lang="en-US" smtClean="0"/>
               <a:pPr/>
-              <a:t>1/25/21</a:t>
+              <a:t>4/28/21</a:t>
             </a:fld>
             <a:endParaRPr lang="en-US"/>
           </a:p>
@@ -4808,7 +4808,7 @@
               </a:lnSpc>
             </a:pPr>
             <a:r>
-              <a:rPr lang="en-US" sz="3200">
+              <a:rPr lang="en-US" sz="3200" dirty="0">
                 <a:solidFill>
                   <a:srgbClr val="1D2024"/>
                 </a:solidFill>
@@ -4824,14 +4824,29 @@
               </a:lnSpc>
             </a:pPr>
             <a:r>
-              <a:rPr lang="en-US" sz="3000">
+              <a:rPr lang="en-US" sz="3000" dirty="0">
                 <a:solidFill>
                   <a:srgbClr val="1D2024"/>
                 </a:solidFill>
                 <a:latin typeface="Raleway Bold"/>
               </a:rPr>
-              <a:t>Franca (she/her) - @francalovescake</a:t>
-            </a:r>
+              <a:t>Franca (she/her) - @</a:t>
+            </a:r>
+            <a:r>
+              <a:rPr lang="en-US" sz="3000" dirty="0" err="1">
+                <a:solidFill>
+                  <a:srgbClr val="1D2024"/>
+                </a:solidFill>
+                <a:latin typeface="Raleway Bold"/>
+              </a:rPr>
+              <a:t>francalovescake</a:t>
+            </a:r>
+            <a:endParaRPr lang="en-US" sz="3000" dirty="0">
+              <a:solidFill>
+                <a:srgbClr val="1D2024"/>
+              </a:solidFill>
+              <a:latin typeface="Raleway Bold"/>
+            </a:endParaRPr>
           </a:p>
           <a:p>
             <a:pPr algn="r">
@@ -4840,13 +4855,13 @@
               </a:lnSpc>
             </a:pPr>
             <a:r>
-              <a:rPr lang="en-US" sz="3000">
+              <a:rPr lang="en-US" sz="3000" dirty="0">
                 <a:solidFill>
                   <a:srgbClr val="1D2024"/>
                 </a:solidFill>
                 <a:latin typeface="Raleway Bold"/>
               </a:rPr>
-              <a:t>Bridget</a:t>
+              <a:t>Bridget (they/them)</a:t>
             </a:r>
           </a:p>
         </p:txBody>

--- a/facilitator/terraform-workshop-intro.pptx
+++ b/facilitator/terraform-workshop-intro.pptx
@@ -10,31 +10,32 @@
     <p:sldId id="258" r:id="rId4"/>
     <p:sldId id="259" r:id="rId5"/>
     <p:sldId id="260" r:id="rId6"/>
-    <p:sldId id="261" r:id="rId7"/>
+    <p:sldId id="262" r:id="rId7"/>
+    <p:sldId id="261" r:id="rId8"/>
   </p:sldIdLst>
   <p:sldSz cx="18288000" cy="10287000"/>
   <p:notesSz cx="6858000" cy="9144000"/>
   <p:embeddedFontLst>
     <p:embeddedFont>
       <p:font typeface="Calibri" panose="020F0502020204030204" pitchFamily="34" charset="0"/>
-      <p:regular r:id="rId8"/>
-      <p:bold r:id="rId9"/>
-      <p:italic r:id="rId10"/>
-      <p:boldItalic r:id="rId11"/>
+      <p:regular r:id="rId9"/>
+      <p:bold r:id="rId10"/>
+      <p:italic r:id="rId11"/>
+      <p:boldItalic r:id="rId12"/>
     </p:embeddedFont>
     <p:embeddedFont>
       <p:font typeface="Raleway" panose="020B0503030101060003" pitchFamily="34" charset="77"/>
-      <p:regular r:id="rId12"/>
+      <p:regular r:id="rId13"/>
     </p:embeddedFont>
     <p:embeddedFont>
       <p:font typeface="Raleway Bold" panose="020B0803030101060003" pitchFamily="34" charset="77"/>
-      <p:regular r:id="rId13"/>
-      <p:bold r:id="rId14"/>
+      <p:regular r:id="rId14"/>
+      <p:bold r:id="rId15"/>
     </p:embeddedFont>
     <p:embeddedFont>
       <p:font typeface="Raleway Heavy" panose="020B0003030101060003" pitchFamily="34" charset="0"/>
-      <p:regular r:id="rId15"/>
-      <p:bold r:id="rId16"/>
+      <p:regular r:id="rId16"/>
+      <p:bold r:id="rId17"/>
     </p:embeddedFont>
   </p:embeddedFontLst>
   <p:defaultTextStyle>
@@ -331,7 +332,7 @@
             <a:fld id="{1D8BD707-D9CF-40AE-B4C6-C98DA3205C09}" type="datetimeFigureOut">
               <a:rPr lang="en-US" smtClean="0"/>
               <a:pPr/>
-              <a:t>4/28/21</a:t>
+              <a:t>5/7/21</a:t>
             </a:fld>
             <a:endParaRPr lang="en-US"/>
           </a:p>
@@ -496,7 +497,7 @@
             <a:fld id="{1D8BD707-D9CF-40AE-B4C6-C98DA3205C09}" type="datetimeFigureOut">
               <a:rPr lang="en-US" smtClean="0"/>
               <a:pPr/>
-              <a:t>4/28/21</a:t>
+              <a:t>5/7/21</a:t>
             </a:fld>
             <a:endParaRPr lang="en-US"/>
           </a:p>
@@ -671,7 +672,7 @@
             <a:fld id="{1D8BD707-D9CF-40AE-B4C6-C98DA3205C09}" type="datetimeFigureOut">
               <a:rPr lang="en-US" smtClean="0"/>
               <a:pPr/>
-              <a:t>4/28/21</a:t>
+              <a:t>5/7/21</a:t>
             </a:fld>
             <a:endParaRPr lang="en-US"/>
           </a:p>
@@ -836,7 +837,7 @@
             <a:fld id="{1D8BD707-D9CF-40AE-B4C6-C98DA3205C09}" type="datetimeFigureOut">
               <a:rPr lang="en-US" smtClean="0"/>
               <a:pPr/>
-              <a:t>4/28/21</a:t>
+              <a:t>5/7/21</a:t>
             </a:fld>
             <a:endParaRPr lang="en-US"/>
           </a:p>
@@ -1078,7 +1079,7 @@
             <a:fld id="{1D8BD707-D9CF-40AE-B4C6-C98DA3205C09}" type="datetimeFigureOut">
               <a:rPr lang="en-US" smtClean="0"/>
               <a:pPr/>
-              <a:t>4/28/21</a:t>
+              <a:t>5/7/21</a:t>
             </a:fld>
             <a:endParaRPr lang="en-US"/>
           </a:p>
@@ -1360,7 +1361,7 @@
             <a:fld id="{1D8BD707-D9CF-40AE-B4C6-C98DA3205C09}" type="datetimeFigureOut">
               <a:rPr lang="en-US" smtClean="0"/>
               <a:pPr/>
-              <a:t>4/28/21</a:t>
+              <a:t>5/7/21</a:t>
             </a:fld>
             <a:endParaRPr lang="en-US"/>
           </a:p>
@@ -1776,7 +1777,7 @@
             <a:fld id="{1D8BD707-D9CF-40AE-B4C6-C98DA3205C09}" type="datetimeFigureOut">
               <a:rPr lang="en-US" smtClean="0"/>
               <a:pPr/>
-              <a:t>4/28/21</a:t>
+              <a:t>5/7/21</a:t>
             </a:fld>
             <a:endParaRPr lang="en-US"/>
           </a:p>
@@ -1890,7 +1891,7 @@
             <a:fld id="{1D8BD707-D9CF-40AE-B4C6-C98DA3205C09}" type="datetimeFigureOut">
               <a:rPr lang="en-US" smtClean="0"/>
               <a:pPr/>
-              <a:t>4/28/21</a:t>
+              <a:t>5/7/21</a:t>
             </a:fld>
             <a:endParaRPr lang="en-US"/>
           </a:p>
@@ -1982,7 +1983,7 @@
             <a:fld id="{1D8BD707-D9CF-40AE-B4C6-C98DA3205C09}" type="datetimeFigureOut">
               <a:rPr lang="en-US" smtClean="0"/>
               <a:pPr/>
-              <a:t>4/28/21</a:t>
+              <a:t>5/7/21</a:t>
             </a:fld>
             <a:endParaRPr lang="en-US"/>
           </a:p>
@@ -2254,7 +2255,7 @@
             <a:fld id="{1D8BD707-D9CF-40AE-B4C6-C98DA3205C09}" type="datetimeFigureOut">
               <a:rPr lang="en-US" smtClean="0"/>
               <a:pPr/>
-              <a:t>4/28/21</a:t>
+              <a:t>5/7/21</a:t>
             </a:fld>
             <a:endParaRPr lang="en-US"/>
           </a:p>
@@ -2503,7 +2504,7 @@
             <a:fld id="{1D8BD707-D9CF-40AE-B4C6-C98DA3205C09}" type="datetimeFigureOut">
               <a:rPr lang="en-US" smtClean="0"/>
               <a:pPr/>
-              <a:t>4/28/21</a:t>
+              <a:t>5/7/21</a:t>
             </a:fld>
             <a:endParaRPr lang="en-US"/>
           </a:p>
@@ -2711,7 +2712,7 @@
             <a:fld id="{1D8BD707-D9CF-40AE-B4C6-C98DA3205C09}" type="datetimeFigureOut">
               <a:rPr lang="en-US" smtClean="0"/>
               <a:pPr/>
-              <a:t>4/28/21</a:t>
+              <a:t>5/7/21</a:t>
             </a:fld>
             <a:endParaRPr lang="en-US"/>
           </a:p>
@@ -3611,9 +3612,9 @@
         <p:grpSpPr>
           <a:xfrm>
             <a:off x="11341898" y="4255229"/>
-            <a:ext cx="5917402" cy="4652554"/>
+            <a:ext cx="5917402" cy="4139172"/>
             <a:chOff x="0" y="0"/>
-            <a:chExt cx="7889869" cy="6203405"/>
+            <a:chExt cx="7889869" cy="5518896"/>
           </a:xfrm>
         </p:grpSpPr>
         <p:sp>
@@ -3624,8 +3625,8 @@
           </p:nvSpPr>
           <p:spPr>
             <a:xfrm>
-              <a:off x="0" y="548730"/>
-              <a:ext cx="7889869" cy="5654675"/>
+              <a:off x="0" y="548731"/>
+              <a:ext cx="7889869" cy="4970165"/>
             </a:xfrm>
             <a:prstGeom prst="rect">
               <a:avLst/>
@@ -3643,7 +3644,7 @@
                 </a:lnSpc>
               </a:pPr>
               <a:r>
-                <a:rPr lang="en-US" sz="3000">
+                <a:rPr lang="en-US" sz="3000" dirty="0">
                   <a:solidFill>
                     <a:srgbClr val="FBFBF5"/>
                   </a:solidFill>
@@ -3659,7 +3660,7 @@
                 </a:lnSpc>
               </a:pPr>
               <a:r>
-                <a:rPr lang="en-US" sz="3000">
+                <a:rPr lang="en-US" sz="3000" dirty="0">
                   <a:solidFill>
                     <a:srgbClr val="FBFBF5"/>
                   </a:solidFill>
@@ -3675,7 +3676,7 @@
                 </a:lnSpc>
               </a:pPr>
               <a:r>
-                <a:rPr lang="en-US" sz="3000">
+                <a:rPr lang="en-US" sz="3000" dirty="0">
                   <a:solidFill>
                     <a:srgbClr val="FBFBF5"/>
                   </a:solidFill>
@@ -3691,7 +3692,7 @@
                 </a:lnSpc>
               </a:pPr>
               <a:r>
-                <a:rPr lang="en-US" sz="3000">
+                <a:rPr lang="en-US" sz="3000" dirty="0">
                   <a:solidFill>
                     <a:srgbClr val="FBFBF5"/>
                   </a:solidFill>
@@ -3707,7 +3708,7 @@
                 </a:lnSpc>
               </a:pPr>
               <a:r>
-                <a:rPr lang="en-US" sz="3000">
+                <a:rPr lang="en-US" sz="3000" dirty="0">
                   <a:solidFill>
                     <a:srgbClr val="FBFBF5"/>
                   </a:solidFill>
@@ -3723,23 +3724,7 @@
                 </a:lnSpc>
               </a:pPr>
               <a:r>
-                <a:rPr lang="en-US" sz="3000">
-                  <a:solidFill>
-                    <a:srgbClr val="FBFBF5"/>
-                  </a:solidFill>
-                  <a:latin typeface="Raleway Bold"/>
-                </a:rPr>
-                <a:t>Change Exisiting Infra</a:t>
-              </a:r>
-            </a:p>
-            <a:p>
-              <a:pPr algn="r">
-                <a:lnSpc>
-                  <a:spcPts val="4200"/>
-                </a:lnSpc>
-              </a:pPr>
-              <a:r>
-                <a:rPr lang="en-US" sz="3000">
+                <a:rPr lang="en-US" sz="3000" dirty="0">
                   <a:solidFill>
                     <a:srgbClr val="FBFBF5"/>
                   </a:solidFill>
@@ -3755,7 +3740,7 @@
                 </a:lnSpc>
               </a:pPr>
               <a:r>
-                <a:rPr lang="en-US" sz="3000">
+                <a:rPr lang="en-US" sz="3000" dirty="0">
                   <a:solidFill>
                     <a:srgbClr val="FBFBF5"/>
                   </a:solidFill>
@@ -3946,7 +3931,7 @@
                 </a:lnSpc>
               </a:pPr>
               <a:r>
-                <a:rPr lang="en-US" sz="4200">
+                <a:rPr lang="en-US" sz="4200" dirty="0">
                   <a:solidFill>
                     <a:srgbClr val="1D2024"/>
                   </a:solidFill>
@@ -4165,7 +4150,7 @@
                 </a:lnSpc>
               </a:pPr>
               <a:r>
-                <a:rPr lang="en-US" sz="2400">
+                <a:rPr lang="en-US" sz="2400" dirty="0">
                   <a:solidFill>
                     <a:srgbClr val="1D2024"/>
                   </a:solidFill>
@@ -4279,7 +4264,7 @@
                 </a:lnSpc>
               </a:pPr>
               <a:r>
-                <a:rPr lang="en-US" sz="2400">
+                <a:rPr lang="en-US" sz="2400" dirty="0">
                   <a:solidFill>
                     <a:srgbClr val="1D2024"/>
                   </a:solidFill>
@@ -4459,6 +4444,232 @@
 </file>
 
 <file path=ppt/slides/slide6.xml><?xml version="1.0" encoding="utf-8"?>
+<p:sld xmlns:a="http://schemas.openxmlformats.org/drawingml/2006/main" xmlns:r="http://schemas.openxmlformats.org/officeDocument/2006/relationships" xmlns:p="http://schemas.openxmlformats.org/presentationml/2006/main">
+  <p:cSld>
+    <p:bg>
+      <p:bgPr>
+        <a:solidFill>
+          <a:srgbClr val="FFCC00"/>
+        </a:solidFill>
+        <a:effectLst/>
+      </p:bgPr>
+    </p:bg>
+    <p:spTree>
+      <p:nvGrpSpPr>
+        <p:cNvPr id="1" name=""/>
+        <p:cNvGrpSpPr/>
+        <p:nvPr/>
+      </p:nvGrpSpPr>
+      <p:grpSpPr>
+        <a:xfrm>
+          <a:off x="0" y="0"/>
+          <a:ext cx="0" cy="0"/>
+          <a:chOff x="0" y="0"/>
+          <a:chExt cx="0" cy="0"/>
+        </a:xfrm>
+      </p:grpSpPr>
+      <p:grpSp>
+        <p:nvGrpSpPr>
+          <p:cNvPr id="4" name="Group 2">
+            <a:extLst>
+              <a:ext uri="{FF2B5EF4-FFF2-40B4-BE49-F238E27FC236}">
+                <a16:creationId xmlns:a16="http://schemas.microsoft.com/office/drawing/2014/main" id="{423AC4B7-31CC-FA46-AB6B-399C7757C8B7}"/>
+              </a:ext>
+            </a:extLst>
+          </p:cNvPr>
+          <p:cNvGrpSpPr/>
+          <p:nvPr/>
+        </p:nvGrpSpPr>
+        <p:grpSpPr>
+          <a:xfrm>
+            <a:off x="737398" y="1140059"/>
+            <a:ext cx="14121602" cy="3057297"/>
+            <a:chOff x="0" y="47625"/>
+            <a:chExt cx="11208802" cy="4076397"/>
+          </a:xfrm>
+        </p:grpSpPr>
+        <p:sp>
+          <p:nvSpPr>
+            <p:cNvPr id="5" name="TextBox 3">
+              <a:extLst>
+                <a:ext uri="{FF2B5EF4-FFF2-40B4-BE49-F238E27FC236}">
+                  <a16:creationId xmlns:a16="http://schemas.microsoft.com/office/drawing/2014/main" id="{18790C99-185B-E54A-B2C1-428A860E536D}"/>
+                </a:ext>
+              </a:extLst>
+            </p:cNvPr>
+            <p:cNvSpPr txBox="1"/>
+            <p:nvPr/>
+          </p:nvSpPr>
+          <p:spPr>
+            <a:xfrm>
+              <a:off x="0" y="1405328"/>
+              <a:ext cx="11191869" cy="2718694"/>
+            </a:xfrm>
+            <a:prstGeom prst="rect">
+              <a:avLst/>
+            </a:prstGeom>
+          </p:spPr>
+          <p:txBody>
+            <a:bodyPr lIns="0" tIns="0" rIns="0" bIns="0" rtlCol="0" anchor="t">
+              <a:spAutoFit/>
+            </a:bodyPr>
+            <a:lstStyle/>
+            <a:p>
+              <a:pPr algn="l">
+                <a:lnSpc>
+                  <a:spcPts val="5328"/>
+                </a:lnSpc>
+              </a:pPr>
+              <a:r>
+                <a:rPr lang="en-US" sz="4800" dirty="0">
+                  <a:solidFill>
+                    <a:srgbClr val="1D2024"/>
+                  </a:solidFill>
+                  <a:latin typeface="Raleway Bold"/>
+                </a:rPr>
+                <a:t>Where are you joining from?</a:t>
+              </a:r>
+            </a:p>
+            <a:p>
+              <a:pPr algn="l">
+                <a:lnSpc>
+                  <a:spcPts val="5328"/>
+                </a:lnSpc>
+              </a:pPr>
+              <a:r>
+                <a:rPr lang="en-US" sz="4800" dirty="0">
+                  <a:solidFill>
+                    <a:srgbClr val="1D2024"/>
+                  </a:solidFill>
+                  <a:latin typeface="Raleway Bold"/>
+                </a:rPr>
+                <a:t>What’s your current/dream role?</a:t>
+              </a:r>
+            </a:p>
+            <a:p>
+              <a:pPr algn="l">
+                <a:lnSpc>
+                  <a:spcPts val="5328"/>
+                </a:lnSpc>
+              </a:pPr>
+              <a:r>
+                <a:rPr lang="en-US" sz="4800" dirty="0">
+                  <a:solidFill>
+                    <a:srgbClr val="1D2024"/>
+                  </a:solidFill>
+                  <a:latin typeface="Raleway Bold"/>
+                </a:rPr>
+                <a:t>What’s your experience with Infra as Code?</a:t>
+              </a:r>
+            </a:p>
+          </p:txBody>
+        </p:sp>
+        <p:sp>
+          <p:nvSpPr>
+            <p:cNvPr id="6" name="TextBox 4">
+              <a:extLst>
+                <a:ext uri="{FF2B5EF4-FFF2-40B4-BE49-F238E27FC236}">
+                  <a16:creationId xmlns:a16="http://schemas.microsoft.com/office/drawing/2014/main" id="{24772247-E870-7E46-8DE3-F922B4093C4D}"/>
+                </a:ext>
+              </a:extLst>
+            </p:cNvPr>
+            <p:cNvSpPr txBox="1"/>
+            <p:nvPr/>
+          </p:nvSpPr>
+          <p:spPr>
+            <a:xfrm>
+              <a:off x="0" y="47625"/>
+              <a:ext cx="11208802" cy="752343"/>
+            </a:xfrm>
+            <a:prstGeom prst="rect">
+              <a:avLst/>
+            </a:prstGeom>
+          </p:spPr>
+          <p:txBody>
+            <a:bodyPr lIns="0" tIns="0" rIns="0" bIns="0" rtlCol="0" anchor="t">
+              <a:spAutoFit/>
+            </a:bodyPr>
+            <a:lstStyle/>
+            <a:p>
+              <a:pPr algn="l">
+                <a:lnSpc>
+                  <a:spcPts val="4410"/>
+                </a:lnSpc>
+              </a:pPr>
+              <a:r>
+                <a:rPr lang="en-US" sz="4200" dirty="0">
+                  <a:solidFill>
+                    <a:srgbClr val="1D2024"/>
+                  </a:solidFill>
+                  <a:latin typeface="Raleway Bold"/>
+                </a:rPr>
+                <a:t>Quick Get-To-Know-You! Post in Slack</a:t>
+              </a:r>
+            </a:p>
+          </p:txBody>
+        </p:sp>
+      </p:grpSp>
+      <p:pic>
+        <p:nvPicPr>
+          <p:cNvPr id="1026" name="Picture 2" descr="Hello - Free miscellaneous icons">
+            <a:extLst>
+              <a:ext uri="{FF2B5EF4-FFF2-40B4-BE49-F238E27FC236}">
+                <a16:creationId xmlns:a16="http://schemas.microsoft.com/office/drawing/2014/main" id="{53418462-E6D8-A94E-A888-16FD883EBD46}"/>
+              </a:ext>
+            </a:extLst>
+          </p:cNvPr>
+          <p:cNvPicPr>
+            <a:picLocks noChangeAspect="1" noChangeArrowheads="1"/>
+          </p:cNvPicPr>
+          <p:nvPr/>
+        </p:nvPicPr>
+        <p:blipFill>
+          <a:blip r:embed="rId3">
+            <a:extLst>
+              <a:ext uri="{28A0092B-C50C-407E-A947-70E740481C1C}">
+                <a14:useLocalDpi xmlns:a14="http://schemas.microsoft.com/office/drawing/2010/main" val="0"/>
+              </a:ext>
+            </a:extLst>
+          </a:blip>
+          <a:srcRect/>
+          <a:stretch>
+            <a:fillRect/>
+          </a:stretch>
+        </p:blipFill>
+        <p:spPr bwMode="auto">
+          <a:xfrm>
+            <a:off x="6085732" y="5295900"/>
+            <a:ext cx="3403600" cy="3403600"/>
+          </a:xfrm>
+          <a:prstGeom prst="rect">
+            <a:avLst/>
+          </a:prstGeom>
+          <a:noFill/>
+          <a:extLst>
+            <a:ext uri="{909E8E84-426E-40DD-AFC4-6F175D3DCCD1}">
+              <a14:hiddenFill xmlns:a14="http://schemas.microsoft.com/office/drawing/2010/main">
+                <a:solidFill>
+                  <a:srgbClr val="FFFFFF"/>
+                </a:solidFill>
+              </a14:hiddenFill>
+            </a:ext>
+          </a:extLst>
+        </p:spPr>
+      </p:pic>
+    </p:spTree>
+    <p:extLst>
+      <p:ext uri="{BB962C8B-B14F-4D97-AF65-F5344CB8AC3E}">
+        <p14:creationId xmlns:p14="http://schemas.microsoft.com/office/powerpoint/2010/main" val="4046709226"/>
+      </p:ext>
+    </p:extLst>
+  </p:cSld>
+  <p:clrMapOvr>
+    <a:overrideClrMapping bg1="lt1" tx1="dk1" bg2="lt2" tx2="dk2" accent1="accent1" accent2="accent2" accent3="accent3" accent4="accent4" accent5="accent5" accent6="accent6" hlink="hlink" folHlink="folHlink"/>
+  </p:clrMapOvr>
+</p:sld>
+</file>
+
+<file path=ppt/slides/slide7.xml><?xml version="1.0" encoding="utf-8"?>
 <p:sld xmlns:a="http://schemas.openxmlformats.org/drawingml/2006/main" xmlns:r="http://schemas.openxmlformats.org/officeDocument/2006/relationships" xmlns:p="http://schemas.openxmlformats.org/presentationml/2006/main">
   <p:cSld>
     <p:spTree>
@@ -4789,8 +5000,8 @@
         </p:nvSpPr>
         <p:spPr>
           <a:xfrm>
-            <a:off x="9513925" y="7291073"/>
-            <a:ext cx="7745375" cy="1616710"/>
+            <a:off x="9372600" y="6254536"/>
+            <a:ext cx="7745375" cy="2688878"/>
           </a:xfrm>
           <a:prstGeom prst="rect">
             <a:avLst/>
@@ -4862,6 +5073,38 @@
                 <a:latin typeface="Raleway Bold"/>
               </a:rPr>
               <a:t>Bridget (they/them)</a:t>
+            </a:r>
+          </a:p>
+          <a:p>
+            <a:pPr algn="r">
+              <a:lnSpc>
+                <a:spcPts val="4200"/>
+              </a:lnSpc>
+            </a:pPr>
+            <a:r>
+              <a:rPr lang="en-US" sz="3000" dirty="0">
+                <a:solidFill>
+                  <a:srgbClr val="1D2024"/>
+                </a:solidFill>
+                <a:latin typeface="Raleway Bold"/>
+              </a:rPr>
+              <a:t>Lee (he/him)</a:t>
+            </a:r>
+          </a:p>
+          <a:p>
+            <a:pPr algn="r">
+              <a:lnSpc>
+                <a:spcPts val="4200"/>
+              </a:lnSpc>
+            </a:pPr>
+            <a:r>
+              <a:rPr lang="en-US" sz="3000" dirty="0">
+                <a:solidFill>
+                  <a:srgbClr val="1D2024"/>
+                </a:solidFill>
+                <a:latin typeface="Raleway Bold"/>
+              </a:rPr>
+              <a:t>Leo (he/him)</a:t>
             </a:r>
           </a:p>
         </p:txBody>
@@ -5155,4 +5398,47 @@
   <a:objectDefaults/>
   <a:extraClrSchemeLst/>
 </a:theme>
+</file>
+
+<file path=ppt/theme/themeOverride1.xml><?xml version="1.0" encoding="utf-8"?>
+<a:themeOverride xmlns:a="http://schemas.openxmlformats.org/drawingml/2006/main">
+  <a:clrScheme name="Office">
+    <a:dk1>
+      <a:sysClr val="windowText" lastClr="000000"/>
+    </a:dk1>
+    <a:lt1>
+      <a:sysClr val="window" lastClr="FFFFFF"/>
+    </a:lt1>
+    <a:dk2>
+      <a:srgbClr val="1F497D"/>
+    </a:dk2>
+    <a:lt2>
+      <a:srgbClr val="EEECE1"/>
+    </a:lt2>
+    <a:accent1>
+      <a:srgbClr val="4F81BD"/>
+    </a:accent1>
+    <a:accent2>
+      <a:srgbClr val="C0504D"/>
+    </a:accent2>
+    <a:accent3>
+      <a:srgbClr val="9BBB59"/>
+    </a:accent3>
+    <a:accent4>
+      <a:srgbClr val="8064A2"/>
+    </a:accent4>
+    <a:accent5>
+      <a:srgbClr val="4BACC6"/>
+    </a:accent5>
+    <a:accent6>
+      <a:srgbClr val="F79646"/>
+    </a:accent6>
+    <a:hlink>
+      <a:srgbClr val="0000FF"/>
+    </a:hlink>
+    <a:folHlink>
+      <a:srgbClr val="800080"/>
+    </a:folHlink>
+  </a:clrScheme>
+</a:themeOverride>
 </file>